--- a/Huellitas.pptx
+++ b/Huellitas.pptx
@@ -56,11 +56,23 @@
       <p:boldItalic r:id="rId36"/>
     </p:embeddedFont>
     <p:embeddedFont>
-      <p:font typeface="PT Sans" panose="020B0604020202020204" pitchFamily="34" charset="0"/>
+      <p:font typeface="Open Sans" panose="020B0606030504020204" pitchFamily="34" charset="0"/>
       <p:regular r:id="rId37"/>
       <p:bold r:id="rId38"/>
       <p:italic r:id="rId39"/>
       <p:boldItalic r:id="rId40"/>
+    </p:embeddedFont>
+    <p:embeddedFont>
+      <p:font typeface="PT Sans" panose="020B0503020203020204" pitchFamily="34" charset="0"/>
+      <p:regular r:id="rId41"/>
+      <p:bold r:id="rId42"/>
+      <p:italic r:id="rId43"/>
+      <p:boldItalic r:id="rId44"/>
+    </p:embeddedFont>
+    <p:embeddedFont>
+      <p:font typeface="Roboto Condensed Light" panose="02000000000000000000" pitchFamily="2" charset="0"/>
+      <p:regular r:id="rId45"/>
+      <p:italic r:id="rId46"/>
     </p:embeddedFont>
   </p:embeddedFontLst>
   <p:defaultTextStyle>
@@ -49894,30 +49906,32 @@
       </p:sp>
       <p:pic>
         <p:nvPicPr>
-          <p:cNvPr id="767" name="Google Shape;767;p49"/>
-          <p:cNvPicPr preferRelativeResize="0"/>
+          <p:cNvPr id="3" name="Imagen 2">
+            <a:extLst>
+              <a:ext uri="{FF2B5EF4-FFF2-40B4-BE49-F238E27FC236}">
+                <a16:creationId xmlns:a16="http://schemas.microsoft.com/office/drawing/2014/main" id="{883BF4F5-D726-48A8-B68F-0B507C4AD5E0}"/>
+              </a:ext>
+            </a:extLst>
+          </p:cNvPr>
+          <p:cNvPicPr>
+            <a:picLocks noChangeAspect="1"/>
+          </p:cNvPicPr>
           <p:nvPr/>
         </p:nvPicPr>
         <p:blipFill>
-          <a:blip r:embed="rId3">
-            <a:alphaModFix/>
-          </a:blip>
+          <a:blip r:embed="rId3"/>
           <a:stretch>
             <a:fillRect/>
           </a:stretch>
         </p:blipFill>
         <p:spPr>
           <a:xfrm>
-            <a:off x="746000" y="1877900"/>
-            <a:ext cx="7652000" cy="1786300"/>
+            <a:off x="1098684" y="1984474"/>
+            <a:ext cx="6946632" cy="1667652"/>
           </a:xfrm>
           <a:prstGeom prst="rect">
             <a:avLst/>
           </a:prstGeom>
-          <a:noFill/>
-          <a:ln>
-            <a:noFill/>
-          </a:ln>
         </p:spPr>
       </p:pic>
     </p:spTree>
